--- a/CEMA NOTES/Lesson_8_StephanieKamunya.pptx
+++ b/CEMA NOTES/Lesson_8_StephanieKamunya.pptx
@@ -393,7 +393,7 @@
             <a:fld id="{1D8BD707-D9CF-40AE-B4C6-C98DA3205C09}" type="datetimeFigureOut">
               <a:rPr lang="en-US" smtClean="0"/>
               <a:pPr/>
-              <a:t>6/19/2025</a:t>
+              <a:t>8/20/2025</a:t>
             </a:fld>
             <a:endParaRPr lang="en-US"/>
           </a:p>
@@ -558,7 +558,7 @@
             <a:fld id="{1D8BD707-D9CF-40AE-B4C6-C98DA3205C09}" type="datetimeFigureOut">
               <a:rPr lang="en-US" smtClean="0"/>
               <a:pPr/>
-              <a:t>6/19/2025</a:t>
+              <a:t>8/20/2025</a:t>
             </a:fld>
             <a:endParaRPr lang="en-US"/>
           </a:p>
@@ -733,7 +733,7 @@
             <a:fld id="{1D8BD707-D9CF-40AE-B4C6-C98DA3205C09}" type="datetimeFigureOut">
               <a:rPr lang="en-US" smtClean="0"/>
               <a:pPr/>
-              <a:t>6/19/2025</a:t>
+              <a:t>8/20/2025</a:t>
             </a:fld>
             <a:endParaRPr lang="en-US"/>
           </a:p>
@@ -898,7 +898,7 @@
             <a:fld id="{1D8BD707-D9CF-40AE-B4C6-C98DA3205C09}" type="datetimeFigureOut">
               <a:rPr lang="en-US" smtClean="0"/>
               <a:pPr/>
-              <a:t>6/19/2025</a:t>
+              <a:t>8/20/2025</a:t>
             </a:fld>
             <a:endParaRPr lang="en-US"/>
           </a:p>
@@ -1140,7 +1140,7 @@
             <a:fld id="{1D8BD707-D9CF-40AE-B4C6-C98DA3205C09}" type="datetimeFigureOut">
               <a:rPr lang="en-US" smtClean="0"/>
               <a:pPr/>
-              <a:t>6/19/2025</a:t>
+              <a:t>8/20/2025</a:t>
             </a:fld>
             <a:endParaRPr lang="en-US"/>
           </a:p>
@@ -1422,7 +1422,7 @@
             <a:fld id="{1D8BD707-D9CF-40AE-B4C6-C98DA3205C09}" type="datetimeFigureOut">
               <a:rPr lang="en-US" smtClean="0"/>
               <a:pPr/>
-              <a:t>6/19/2025</a:t>
+              <a:t>8/20/2025</a:t>
             </a:fld>
             <a:endParaRPr lang="en-US"/>
           </a:p>
@@ -1838,7 +1838,7 @@
             <a:fld id="{1D8BD707-D9CF-40AE-B4C6-C98DA3205C09}" type="datetimeFigureOut">
               <a:rPr lang="en-US" smtClean="0"/>
               <a:pPr/>
-              <a:t>6/19/2025</a:t>
+              <a:t>8/20/2025</a:t>
             </a:fld>
             <a:endParaRPr lang="en-US"/>
           </a:p>
@@ -1952,7 +1952,7 @@
             <a:fld id="{1D8BD707-D9CF-40AE-B4C6-C98DA3205C09}" type="datetimeFigureOut">
               <a:rPr lang="en-US" smtClean="0"/>
               <a:pPr/>
-              <a:t>6/19/2025</a:t>
+              <a:t>8/20/2025</a:t>
             </a:fld>
             <a:endParaRPr lang="en-US"/>
           </a:p>
@@ -2044,7 +2044,7 @@
             <a:fld id="{1D8BD707-D9CF-40AE-B4C6-C98DA3205C09}" type="datetimeFigureOut">
               <a:rPr lang="en-US" smtClean="0"/>
               <a:pPr/>
-              <a:t>6/19/2025</a:t>
+              <a:t>8/20/2025</a:t>
             </a:fld>
             <a:endParaRPr lang="en-US"/>
           </a:p>
@@ -2316,7 +2316,7 @@
             <a:fld id="{1D8BD707-D9CF-40AE-B4C6-C98DA3205C09}" type="datetimeFigureOut">
               <a:rPr lang="en-US" smtClean="0"/>
               <a:pPr/>
-              <a:t>6/19/2025</a:t>
+              <a:t>8/20/2025</a:t>
             </a:fld>
             <a:endParaRPr lang="en-US"/>
           </a:p>
@@ -2565,7 +2565,7 @@
             <a:fld id="{1D8BD707-D9CF-40AE-B4C6-C98DA3205C09}" type="datetimeFigureOut">
               <a:rPr lang="en-US" smtClean="0"/>
               <a:pPr/>
-              <a:t>6/19/2025</a:t>
+              <a:t>8/20/2025</a:t>
             </a:fld>
             <a:endParaRPr lang="en-US"/>
           </a:p>
@@ -2773,7 +2773,7 @@
             <a:fld id="{1D8BD707-D9CF-40AE-B4C6-C98DA3205C09}" type="datetimeFigureOut">
               <a:rPr lang="en-US" smtClean="0"/>
               <a:pPr/>
-              <a:t>6/19/2025</a:t>
+              <a:t>8/20/2025</a:t>
             </a:fld>
             <a:endParaRPr lang="en-US"/>
           </a:p>
@@ -14667,7 +14667,7 @@
           <a:bodyPr/>
           <a:lstStyle/>
           <a:p>
-            <a:endParaRPr lang="en-ZA"/>
+            <a:endParaRPr lang="en-ZA" dirty="0"/>
           </a:p>
         </p:txBody>
       </p:sp>
@@ -14991,7 +14991,7 @@
         </p:blipFill>
         <p:spPr>
           <a:xfrm>
-            <a:off x="1670317" y="3504435"/>
+            <a:off x="1600200" y="3457663"/>
             <a:ext cx="15177892" cy="4895849"/>
           </a:xfrm>
           <a:prstGeom prst="rect">
